--- a/Group 45 Data Science for Case Law (1).pptx
+++ b/Group 45 Data Science for Case Law (1).pptx
@@ -4745,7 +4745,7 @@
             <p:ph idx="1"/>
             <p:extLst>
               <p:ext uri="{D42A27DB-BD31-4B8C-83A1-F6EECF244321}">
-                <p14:modId xmlns:p14="http://schemas.microsoft.com/office/powerpoint/2010/main" val="505803309"/>
+                <p14:modId xmlns:p14="http://schemas.microsoft.com/office/powerpoint/2010/main" val="1973883615"/>
               </p:ext>
             </p:extLst>
           </p:nvPr>
@@ -5566,44 +5566,6 @@
                     <a:bodyPr/>
                     <a:lstStyle/>
                     <a:p>
-                      <a:endParaRPr lang="en-US" sz="1600" dirty="0">
-                        <a:solidFill>
-                          <a:srgbClr val="800000"/>
-                        </a:solidFill>
-                      </a:endParaRPr>
-                    </a:p>
-                  </a:txBody>
-                  <a:tcPr/>
-                </a:tc>
-                <a:tc>
-                  <a:txBody>
-                    <a:bodyPr/>
-                    <a:lstStyle/>
-                    <a:p>
-                      <a:endParaRPr lang="en-US" sz="1600" b="1" dirty="0">
-                        <a:solidFill>
-                          <a:srgbClr val="000090"/>
-                        </a:solidFill>
-                      </a:endParaRPr>
-                    </a:p>
-                  </a:txBody>
-                  <a:tcPr/>
-                </a:tc>
-                <a:tc>
-                  <a:txBody>
-                    <a:bodyPr/>
-                    <a:lstStyle/>
-                    <a:p>
-                      <a:endParaRPr lang="en-US" sz="1600" dirty="0"/>
-                    </a:p>
-                  </a:txBody>
-                  <a:tcPr/>
-                </a:tc>
-                <a:tc>
-                  <a:txBody>
-                    <a:bodyPr/>
-                    <a:lstStyle/>
-                    <a:p>
                       <a:r>
                         <a:rPr lang="en-US" sz="1600" b="1" dirty="0">
                           <a:solidFill>
@@ -5642,6 +5604,44 @@
                         <a:rPr lang="en-US" sz="1600" dirty="0"/>
                         <a:t>0.40957</a:t>
                       </a:r>
+                    </a:p>
+                  </a:txBody>
+                  <a:tcPr/>
+                </a:tc>
+                <a:tc>
+                  <a:txBody>
+                    <a:bodyPr/>
+                    <a:lstStyle/>
+                    <a:p>
+                      <a:endParaRPr lang="en-US" sz="1600" b="1" dirty="0">
+                        <a:solidFill>
+                          <a:srgbClr val="800000"/>
+                        </a:solidFill>
+                      </a:endParaRPr>
+                    </a:p>
+                  </a:txBody>
+                  <a:tcPr/>
+                </a:tc>
+                <a:tc>
+                  <a:txBody>
+                    <a:bodyPr/>
+                    <a:lstStyle/>
+                    <a:p>
+                      <a:endParaRPr lang="en-US" sz="1600" b="1" dirty="0">
+                        <a:solidFill>
+                          <a:srgbClr val="000090"/>
+                        </a:solidFill>
+                      </a:endParaRPr>
+                    </a:p>
+                  </a:txBody>
+                  <a:tcPr/>
+                </a:tc>
+                <a:tc>
+                  <a:txBody>
+                    <a:bodyPr/>
+                    <a:lstStyle/>
+                    <a:p>
+                      <a:endParaRPr lang="en-US" sz="1600" dirty="0"/>
                     </a:p>
                   </a:txBody>
                   <a:tcPr/>
@@ -5692,44 +5692,6 @@
                     <a:bodyPr/>
                     <a:lstStyle/>
                     <a:p>
-                      <a:endParaRPr lang="en-US" sz="1600" dirty="0">
-                        <a:solidFill>
-                          <a:srgbClr val="800000"/>
-                        </a:solidFill>
-                      </a:endParaRPr>
-                    </a:p>
-                  </a:txBody>
-                  <a:tcPr/>
-                </a:tc>
-                <a:tc>
-                  <a:txBody>
-                    <a:bodyPr/>
-                    <a:lstStyle/>
-                    <a:p>
-                      <a:endParaRPr lang="en-US" sz="1600" b="1" dirty="0">
-                        <a:solidFill>
-                          <a:srgbClr val="000090"/>
-                        </a:solidFill>
-                      </a:endParaRPr>
-                    </a:p>
-                  </a:txBody>
-                  <a:tcPr/>
-                </a:tc>
-                <a:tc>
-                  <a:txBody>
-                    <a:bodyPr/>
-                    <a:lstStyle/>
-                    <a:p>
-                      <a:endParaRPr lang="en-US" sz="1600" dirty="0"/>
-                    </a:p>
-                  </a:txBody>
-                  <a:tcPr/>
-                </a:tc>
-                <a:tc>
-                  <a:txBody>
-                    <a:bodyPr/>
-                    <a:lstStyle/>
-                    <a:p>
                       <a:r>
                         <a:rPr lang="en-US" sz="1600" b="1" dirty="0">
                           <a:solidFill>
@@ -5768,6 +5730,44 @@
                         <a:rPr lang="en-US" sz="1600" dirty="0"/>
                         <a:t>0.49484</a:t>
                       </a:r>
+                    </a:p>
+                  </a:txBody>
+                  <a:tcPr/>
+                </a:tc>
+                <a:tc>
+                  <a:txBody>
+                    <a:bodyPr/>
+                    <a:lstStyle/>
+                    <a:p>
+                      <a:endParaRPr lang="en-US" sz="1600" b="1" dirty="0">
+                        <a:solidFill>
+                          <a:srgbClr val="800000"/>
+                        </a:solidFill>
+                      </a:endParaRPr>
+                    </a:p>
+                  </a:txBody>
+                  <a:tcPr/>
+                </a:tc>
+                <a:tc>
+                  <a:txBody>
+                    <a:bodyPr/>
+                    <a:lstStyle/>
+                    <a:p>
+                      <a:endParaRPr lang="en-US" sz="1600" b="1" dirty="0">
+                        <a:solidFill>
+                          <a:srgbClr val="000090"/>
+                        </a:solidFill>
+                      </a:endParaRPr>
+                    </a:p>
+                  </a:txBody>
+                  <a:tcPr/>
+                </a:tc>
+                <a:tc>
+                  <a:txBody>
+                    <a:bodyPr/>
+                    <a:lstStyle/>
+                    <a:p>
+                      <a:endParaRPr lang="en-US" sz="1600" dirty="0"/>
                     </a:p>
                   </a:txBody>
                   <a:tcPr/>
